--- a/docs/tutorials/img/vae-gmm-mm/vae-gmm-mm.pptx
+++ b/docs/tutorials/img/vae-gmm-mm/vae-gmm-mm.pptx
@@ -3270,30 +3270,90 @@
           <a:chExt cx="0" cy="0"/>
         </a:xfrm>
       </p:grpSpPr>
+      <p:pic>
+        <p:nvPicPr>
+          <p:cNvPr id="97" name="図 96"/>
+          <p:cNvPicPr>
+            <a:picLocks noChangeAspect="1"/>
+          </p:cNvPicPr>
+          <p:nvPr/>
+        </p:nvPicPr>
+        <p:blipFill>
+          <a:blip r:embed="rId2"/>
+          <a:stretch>
+            <a:fillRect/>
+          </a:stretch>
+        </p:blipFill>
+        <p:spPr>
+          <a:xfrm>
+            <a:off x="1922245" y="168840"/>
+            <a:ext cx="1407833" cy="5375360"/>
+          </a:xfrm>
+          <a:prstGeom prst="rect">
+            <a:avLst/>
+          </a:prstGeom>
+        </p:spPr>
+      </p:pic>
+      <p:sp>
+        <p:nvSpPr>
+          <p:cNvPr id="102" name="テキスト ボックス 101"/>
+          <p:cNvSpPr txBox="1"/>
+          <p:nvPr/>
+        </p:nvSpPr>
+        <p:spPr>
+          <a:xfrm>
+            <a:off x="3330078" y="1229778"/>
+            <a:ext cx="1938031" cy="523220"/>
+          </a:xfrm>
+          <a:prstGeom prst="rect">
+            <a:avLst/>
+          </a:prstGeom>
+          <a:noFill/>
+        </p:spPr>
+        <p:txBody>
+          <a:bodyPr wrap="none" rtlCol="0">
+            <a:spAutoFit/>
+          </a:bodyPr>
+          <a:lstStyle/>
+          <a:p>
+            <a:r>
+              <a:rPr lang="en-US" altLang="ja-JP" sz="1400" dirty="0"/>
+              <a:t>Send probabilities of</a:t>
+            </a:r>
+          </a:p>
+          <a:p>
+            <a:r>
+              <a:rPr lang="en-US" altLang="ja-JP" sz="1400" dirty="0"/>
+              <a:t>   considering transition.</a:t>
+            </a:r>
+            <a:endParaRPr lang="ja-JP" altLang="en-US" sz="1400" dirty="0"/>
+          </a:p>
+        </p:txBody>
+      </p:sp>
       <p:grpSp>
         <p:nvGrpSpPr>
-          <p:cNvPr id="51" name="グループ化 50"/>
+          <p:cNvPr id="2" name="グループ化 1"/>
           <p:cNvGrpSpPr/>
           <p:nvPr/>
         </p:nvGrpSpPr>
         <p:grpSpPr>
           <a:xfrm>
-            <a:off x="647477" y="1341074"/>
-            <a:ext cx="1271502" cy="307777"/>
-            <a:chOff x="4734602" y="5394961"/>
-            <a:chExt cx="1230625" cy="297884"/>
+            <a:off x="3333343" y="3355916"/>
+            <a:ext cx="1934759" cy="523220"/>
+            <a:chOff x="3333343" y="3355916"/>
+            <a:chExt cx="1934759" cy="523220"/>
           </a:xfrm>
         </p:grpSpPr>
         <p:sp>
           <p:nvSpPr>
-            <p:cNvPr id="52" name="テキスト ボックス 51"/>
+            <p:cNvPr id="99" name="テキスト ボックス 98"/>
             <p:cNvSpPr txBox="1"/>
             <p:nvPr/>
           </p:nvSpPr>
           <p:spPr>
             <a:xfrm>
-              <a:off x="4734602" y="5394961"/>
-              <a:ext cx="1230625" cy="297884"/>
+              <a:off x="3333343" y="3355916"/>
+              <a:ext cx="1934759" cy="523220"/>
             </a:xfrm>
             <a:prstGeom prst="rect">
               <a:avLst/>
@@ -3307,23 +3367,29 @@
             <a:lstStyle/>
             <a:p>
               <a:r>
-                <a:rPr kumimoji="1" lang="en-US" altLang="ja-JP" sz="1400" dirty="0"/>
-                <a:t>Send                 .</a:t>
+                <a:rPr lang="en-US" altLang="ja-JP" sz="1400" dirty="0"/>
+                <a:t>Send mean     of</a:t>
               </a:r>
-              <a:endParaRPr kumimoji="1" lang="ja-JP" altLang="en-US" sz="1400" dirty="0"/>
+            </a:p>
+            <a:p>
+              <a:r>
+                <a:rPr lang="en-US" altLang="ja-JP" sz="1400" dirty="0"/>
+                <a:t>   distribution of classes.</a:t>
+              </a:r>
+              <a:endParaRPr lang="ja-JP" altLang="en-US" sz="1400" dirty="0"/>
             </a:p>
           </p:txBody>
         </p:sp>
         <p:pic>
           <p:nvPicPr>
-            <p:cNvPr id="53" name="Picture 14" descr="https://latex.codecogs.com/gif.latex?%5Cdpi%7B300%7D%20%5CLARGE%20P%28z_2%7Cz_1%29"/>
+            <p:cNvPr id="13" name="Picture 2" descr="https://latex.codecogs.com/gif.latex?%5Cdpi%7B300%7D%20%5Chuge%20%5Cboldsymbol%7B%5Cmu%7D"/>
             <p:cNvPicPr>
               <a:picLocks noChangeAspect="1" noChangeArrowheads="1"/>
             </p:cNvPicPr>
             <p:nvPr/>
           </p:nvPicPr>
           <p:blipFill>
-            <a:blip r:embed="rId2" cstate="print">
+            <a:blip r:embed="rId3" cstate="print">
               <a:extLst>
                 <a:ext uri="{28A0092B-C50C-407E-A947-70E740481C1C}">
                   <a14:useLocalDpi xmlns:a14="http://schemas.microsoft.com/office/drawing/2010/main" val="0"/>
@@ -3337,8 +3403,8 @@
           </p:blipFill>
           <p:spPr bwMode="auto">
             <a:xfrm>
-              <a:off x="5240669" y="5461102"/>
-              <a:ext cx="574792" cy="176543"/>
+              <a:off x="4277915" y="3463106"/>
+              <a:ext cx="120730" cy="126218"/>
             </a:xfrm>
             <a:prstGeom prst="rect">
               <a:avLst/>
@@ -3358,7 +3424,7 @@
       </p:grpSp>
       <p:grpSp>
         <p:nvGrpSpPr>
-          <p:cNvPr id="60" name="グループ化 59"/>
+          <p:cNvPr id="3" name="グループ化 2"/>
           <p:cNvGrpSpPr/>
           <p:nvPr/>
         </p:nvGrpSpPr>
@@ -3366,8 +3432,8 @@
           <a:xfrm>
             <a:off x="54864" y="3450442"/>
             <a:ext cx="1992981" cy="307777"/>
-            <a:chOff x="1370023" y="3987819"/>
-            <a:chExt cx="2121654" cy="386129"/>
+            <a:chOff x="54864" y="3450442"/>
+            <a:chExt cx="1992981" cy="307777"/>
           </a:xfrm>
         </p:grpSpPr>
         <p:sp>
@@ -3378,8 +3444,8 @@
           </p:nvSpPr>
           <p:spPr>
             <a:xfrm>
-              <a:off x="1370023" y="3987819"/>
-              <a:ext cx="2121654" cy="386129"/>
+              <a:off x="54864" y="3450442"/>
+              <a:ext cx="1992981" cy="307777"/>
             </a:xfrm>
             <a:prstGeom prst="rect">
               <a:avLst/>
@@ -3402,11 +3468,7 @@
               </a:r>
               <a:r>
                 <a:rPr lang="en-US" altLang="ja-JP" sz="1400" dirty="0"/>
-                <a:t>latent </a:t>
-              </a:r>
-              <a:r>
-                <a:rPr lang="en-US" altLang="ja-JP" sz="1400" dirty="0"/>
-                <a:t>variables      .</a:t>
+                <a:t>latent variables      .</a:t>
               </a:r>
               <a:endParaRPr lang="ja-JP" altLang="en-US" sz="1400" dirty="0"/>
             </a:p>
@@ -3414,14 +3476,14 @@
         </p:sp>
         <p:pic>
           <p:nvPicPr>
-            <p:cNvPr id="62" name="Picture 14" descr="https://latex.codecogs.com/gif.latex?%5Cdpi%7B300%7D%20%5CLARGE%20z_1"/>
+            <p:cNvPr id="1026" name="Picture 2" descr="gif"/>
             <p:cNvPicPr>
               <a:picLocks noChangeAspect="1" noChangeArrowheads="1"/>
             </p:cNvPicPr>
             <p:nvPr/>
           </p:nvPicPr>
           <p:blipFill>
-            <a:blip r:embed="rId3" cstate="print">
+            <a:blip r:embed="rId4" cstate="print">
               <a:extLst>
                 <a:ext uri="{28A0092B-C50C-407E-A947-70E740481C1C}">
                   <a14:useLocalDpi xmlns:a14="http://schemas.microsoft.com/office/drawing/2010/main" val="0"/>
@@ -3435,8 +3497,8 @@
           </p:blipFill>
           <p:spPr bwMode="auto">
             <a:xfrm>
-              <a:off x="3116434" y="4096304"/>
-              <a:ext cx="198431" cy="169155"/>
+              <a:off x="1695736" y="3539352"/>
+              <a:ext cx="184499" cy="133951"/>
             </a:xfrm>
             <a:prstGeom prst="rect">
               <a:avLst/>
@@ -3454,140 +3516,16 @@
           </p:spPr>
         </p:pic>
       </p:grpSp>
-      <p:pic>
-        <p:nvPicPr>
-          <p:cNvPr id="97" name="図 96"/>
-          <p:cNvPicPr>
-            <a:picLocks noChangeAspect="1"/>
-          </p:cNvPicPr>
+      <p:sp>
+        <p:nvSpPr>
+          <p:cNvPr id="52" name="テキスト ボックス 51"/>
+          <p:cNvSpPr txBox="1"/>
           <p:nvPr/>
-        </p:nvPicPr>
-        <p:blipFill>
-          <a:blip r:embed="rId4"/>
-          <a:stretch>
-            <a:fillRect/>
-          </a:stretch>
-        </p:blipFill>
+        </p:nvSpPr>
         <p:spPr>
           <a:xfrm>
-            <a:off x="1922245" y="168840"/>
-            <a:ext cx="1407833" cy="5375360"/>
-          </a:xfrm>
-          <a:prstGeom prst="rect">
-            <a:avLst/>
-          </a:prstGeom>
-        </p:spPr>
-      </p:pic>
-      <p:grpSp>
-        <p:nvGrpSpPr>
-          <p:cNvPr id="98" name="グループ化 97"/>
-          <p:cNvGrpSpPr/>
-          <p:nvPr/>
-        </p:nvGrpSpPr>
-        <p:grpSpPr>
-          <a:xfrm>
-            <a:off x="3333343" y="3355916"/>
-            <a:ext cx="1934759" cy="523220"/>
-            <a:chOff x="6815359" y="4450841"/>
-            <a:chExt cx="1872562" cy="506400"/>
-          </a:xfrm>
-        </p:grpSpPr>
-        <p:sp>
-          <p:nvSpPr>
-            <p:cNvPr id="99" name="テキスト ボックス 98"/>
-            <p:cNvSpPr txBox="1"/>
-            <p:nvPr/>
-          </p:nvSpPr>
-          <p:spPr>
-            <a:xfrm>
-              <a:off x="6815359" y="4450841"/>
-              <a:ext cx="1872562" cy="506400"/>
-            </a:xfrm>
-            <a:prstGeom prst="rect">
-              <a:avLst/>
-            </a:prstGeom>
-            <a:noFill/>
-          </p:spPr>
-          <p:txBody>
-            <a:bodyPr wrap="none" rtlCol="0">
-              <a:spAutoFit/>
-            </a:bodyPr>
-            <a:lstStyle/>
-            <a:p>
-              <a:r>
-                <a:rPr lang="en-US" altLang="ja-JP" sz="1400" dirty="0"/>
-                <a:t>Send mean     </a:t>
-              </a:r>
-              <a:r>
-                <a:rPr lang="en-US" altLang="ja-JP" sz="1400" dirty="0"/>
-                <a:t>of</a:t>
-              </a:r>
-            </a:p>
-            <a:p>
-              <a:r>
-                <a:rPr lang="en-US" altLang="ja-JP" sz="1400" dirty="0"/>
-                <a:t>   distribution of </a:t>
-              </a:r>
-              <a:r>
-                <a:rPr lang="en-US" altLang="ja-JP" sz="1400" dirty="0"/>
-                <a:t>classes.</a:t>
-              </a:r>
-              <a:endParaRPr lang="ja-JP" altLang="en-US" sz="1400" dirty="0"/>
-            </a:p>
-          </p:txBody>
-        </p:sp>
-        <p:pic>
-          <p:nvPicPr>
-            <p:cNvPr id="100" name="Picture 12" descr="https://latex.codecogs.com/gif.latex?%5Cdpi%7B300%7D%20%5CLARGE%20%5Cmu"/>
-            <p:cNvPicPr>
-              <a:picLocks noChangeAspect="1" noChangeArrowheads="1"/>
-            </p:cNvPicPr>
-            <p:nvPr/>
-          </p:nvPicPr>
-          <p:blipFill>
-            <a:blip r:embed="rId5" cstate="print">
-              <a:extLst>
-                <a:ext uri="{28A0092B-C50C-407E-A947-70E740481C1C}">
-                  <a14:useLocalDpi xmlns:a14="http://schemas.microsoft.com/office/drawing/2010/main" val="0"/>
-                </a:ext>
-              </a:extLst>
-            </a:blip>
-            <a:srcRect/>
-            <a:stretch>
-              <a:fillRect/>
-            </a:stretch>
-          </p:blipFill>
-          <p:spPr bwMode="auto">
-            <a:xfrm>
-              <a:off x="7732754" y="4555100"/>
-              <a:ext cx="112276" cy="136167"/>
-            </a:xfrm>
-            <a:prstGeom prst="rect">
-              <a:avLst/>
-            </a:prstGeom>
-            <a:noFill/>
-            <a:extLst>
-              <a:ext uri="{909E8E84-426E-40DD-AFC4-6F175D3DCCD1}">
-                <a14:hiddenFill xmlns:a14="http://schemas.microsoft.com/office/drawing/2010/main">
-                  <a:solidFill>
-                    <a:srgbClr val="FFFFFF"/>
-                  </a:solidFill>
-                </a14:hiddenFill>
-              </a:ext>
-            </a:extLst>
-          </p:spPr>
-        </p:pic>
-      </p:grpSp>
-      <p:sp>
-        <p:nvSpPr>
-          <p:cNvPr id="102" name="テキスト ボックス 101"/>
-          <p:cNvSpPr txBox="1"/>
-          <p:nvPr/>
-        </p:nvSpPr>
-        <p:spPr>
-          <a:xfrm>
-            <a:off x="3330078" y="1229778"/>
-            <a:ext cx="1938031" cy="523220"/>
+            <a:off x="556037" y="1347976"/>
+            <a:ext cx="1226618" cy="307777"/>
           </a:xfrm>
           <a:prstGeom prst="rect">
             <a:avLst/>
@@ -3601,23 +3539,70 @@
           <a:lstStyle/>
           <a:p>
             <a:r>
-              <a:rPr lang="en-US" altLang="ja-JP" sz="1400" dirty="0"/>
-              <a:t>Send </a:t>
-            </a:r>
-            <a:r>
-              <a:rPr lang="en-US" altLang="ja-JP" sz="1400" dirty="0"/>
-              <a:t>probabilities of</a:t>
-            </a:r>
-          </a:p>
-          <a:p>
-            <a:r>
-              <a:rPr lang="en-US" altLang="ja-JP" sz="1400" dirty="0"/>
-              <a:t>   considering transition.</a:t>
-            </a:r>
-            <a:endParaRPr lang="ja-JP" altLang="en-US" sz="1400" dirty="0"/>
-          </a:p>
-        </p:txBody>
-      </p:sp>
+              <a:rPr kumimoji="1" lang="en-US" altLang="ja-JP" sz="1400" dirty="0" smtClean="0"/>
+              <a:t>Send</a:t>
+            </a:r>
+            <a:r>
+              <a:rPr kumimoji="1" lang="ja-JP" altLang="en-US" sz="1400" dirty="0" smtClean="0"/>
+              <a:t>　　　</a:t>
+            </a:r>
+            <a:r>
+              <a:rPr kumimoji="1" lang="en-US" altLang="ja-JP" sz="1400" dirty="0" smtClean="0"/>
+              <a:t>     </a:t>
+            </a:r>
+            <a:r>
+              <a:rPr kumimoji="1" lang="en-US" altLang="ja-JP" sz="1400" dirty="0" smtClean="0"/>
+              <a:t>  </a:t>
+            </a:r>
+            <a:r>
+              <a:rPr kumimoji="1" lang="en-US" altLang="ja-JP" sz="1400" dirty="0" smtClean="0"/>
+              <a:t>.</a:t>
+            </a:r>
+            <a:endParaRPr kumimoji="1" lang="ja-JP" altLang="en-US" sz="1400" dirty="0"/>
+          </a:p>
+        </p:txBody>
+      </p:sp>
+      <p:pic>
+        <p:nvPicPr>
+          <p:cNvPr id="14" name="Picture 10" descr="https://latex.codecogs.com/gif.latex?%5Cinline%20%5Cdpi%7B300%7D%20%5Chuge%20P%28z_%7B2%7D%7C%5Cboldsymbol%7Bz%7D_1%29"/>
+          <p:cNvPicPr>
+            <a:picLocks noChangeAspect="1" noChangeArrowheads="1"/>
+          </p:cNvPicPr>
+          <p:nvPr/>
+        </p:nvPicPr>
+        <p:blipFill>
+          <a:blip r:embed="rId5" cstate="print">
+            <a:extLst>
+              <a:ext uri="{28A0092B-C50C-407E-A947-70E740481C1C}">
+                <a14:useLocalDpi xmlns:a14="http://schemas.microsoft.com/office/drawing/2010/main" val="0"/>
+              </a:ext>
+            </a:extLst>
+          </a:blip>
+          <a:srcRect/>
+          <a:stretch>
+            <a:fillRect/>
+          </a:stretch>
+        </p:blipFill>
+        <p:spPr bwMode="auto">
+          <a:xfrm>
+            <a:off x="1042058" y="1434397"/>
+            <a:ext cx="590664" cy="173963"/>
+          </a:xfrm>
+          <a:prstGeom prst="rect">
+            <a:avLst/>
+          </a:prstGeom>
+          <a:noFill/>
+          <a:extLst>
+            <a:ext uri="{909E8E84-426E-40DD-AFC4-6F175D3DCCD1}">
+              <a14:hiddenFill xmlns:a14="http://schemas.microsoft.com/office/drawing/2010/main">
+                <a:solidFill>
+                  <a:srgbClr val="FFFFFF"/>
+                </a:solidFill>
+              </a14:hiddenFill>
+            </a:ext>
+          </a:extLst>
+        </p:spPr>
+      </p:pic>
     </p:spTree>
     <p:extLst>
       <p:ext uri="{BB962C8B-B14F-4D97-AF65-F5344CB8AC3E}">

--- a/docs/tutorials/img/vae-gmm-mm/vae-gmm-mm.pptx
+++ b/docs/tutorials/img/vae-gmm-mm/vae-gmm-mm.pptx
@@ -2,12 +2,12 @@
 <file path=ppt/presentation.xml><?xml version="1.0" encoding="utf-8"?>
 <p:presentation xmlns:a="http://schemas.openxmlformats.org/drawingml/2006/main" xmlns:r="http://schemas.openxmlformats.org/officeDocument/2006/relationships" xmlns:p="http://schemas.openxmlformats.org/presentationml/2006/main" saveSubsetFonts="1">
   <p:sldMasterIdLst>
-    <p:sldMasterId id="2147483972" r:id="rId1"/>
+    <p:sldMasterId id="2147484008" r:id="rId1"/>
   </p:sldMasterIdLst>
   <p:sldIdLst>
     <p:sldId id="256" r:id="rId2"/>
   </p:sldIdLst>
-  <p:sldSz cx="5327650" cy="5688013"/>
+  <p:sldSz cx="9720263" cy="5688013"/>
   <p:notesSz cx="6858000" cy="9144000"/>
   <p:defaultTextStyle>
     <a:defPPr>
@@ -112,7 +112,7 @@
             <a:srgbClr val="A4A3A4"/>
           </p15:clr>
         </p15:guide>
-        <p15:guide id="2" pos="1680" userDrawn="1">
+        <p15:guide id="2" pos="3066" userDrawn="1">
           <p15:clr>
             <a:srgbClr val="A4A3A4"/>
           </p15:clr>
@@ -152,15 +152,15 @@
         </p:nvSpPr>
         <p:spPr>
           <a:xfrm>
-            <a:off x="399574" y="930886"/>
-            <a:ext cx="4528503" cy="1980271"/>
+            <a:off x="1215033" y="930886"/>
+            <a:ext cx="7290197" cy="1980271"/>
           </a:xfrm>
         </p:spPr>
         <p:txBody>
           <a:bodyPr anchor="b"/>
           <a:lstStyle>
             <a:lvl1pPr algn="ctr">
-              <a:defRPr sz="3496"/>
+              <a:defRPr sz="4784"/>
             </a:lvl1pPr>
           </a:lstStyle>
           <a:p>
@@ -184,8 +184,8 @@
         </p:nvSpPr>
         <p:spPr>
           <a:xfrm>
-            <a:off x="665956" y="2987524"/>
-            <a:ext cx="3995738" cy="1373286"/>
+            <a:off x="1215033" y="2987524"/>
+            <a:ext cx="7290197" cy="1373286"/>
           </a:xfrm>
         </p:spPr>
         <p:txBody>
@@ -193,39 +193,39 @@
           <a:lstStyle>
             <a:lvl1pPr marL="0" indent="0" algn="ctr">
               <a:buNone/>
-              <a:defRPr sz="1398"/>
+              <a:defRPr sz="1914"/>
             </a:lvl1pPr>
-            <a:lvl2pPr marL="266365" indent="0" algn="ctr">
-              <a:buNone/>
-              <a:defRPr sz="1165"/>
+            <a:lvl2pPr marL="364526" indent="0" algn="ctr">
+              <a:buNone/>
+              <a:defRPr sz="1595"/>
             </a:lvl2pPr>
-            <a:lvl3pPr marL="532729" indent="0" algn="ctr">
-              <a:buNone/>
-              <a:defRPr sz="1049"/>
+            <a:lvl3pPr marL="729051" indent="0" algn="ctr">
+              <a:buNone/>
+              <a:defRPr sz="1435"/>
             </a:lvl3pPr>
-            <a:lvl4pPr marL="799094" indent="0" algn="ctr">
-              <a:buNone/>
-              <a:defRPr sz="932"/>
+            <a:lvl4pPr marL="1093577" indent="0" algn="ctr">
+              <a:buNone/>
+              <a:defRPr sz="1276"/>
             </a:lvl4pPr>
-            <a:lvl5pPr marL="1065459" indent="0" algn="ctr">
-              <a:buNone/>
-              <a:defRPr sz="932"/>
+            <a:lvl5pPr marL="1458102" indent="0" algn="ctr">
+              <a:buNone/>
+              <a:defRPr sz="1276"/>
             </a:lvl5pPr>
-            <a:lvl6pPr marL="1331824" indent="0" algn="ctr">
-              <a:buNone/>
-              <a:defRPr sz="932"/>
+            <a:lvl6pPr marL="1822628" indent="0" algn="ctr">
+              <a:buNone/>
+              <a:defRPr sz="1276"/>
             </a:lvl6pPr>
-            <a:lvl7pPr marL="1598188" indent="0" algn="ctr">
-              <a:buNone/>
-              <a:defRPr sz="932"/>
+            <a:lvl7pPr marL="2187153" indent="0" algn="ctr">
+              <a:buNone/>
+              <a:defRPr sz="1276"/>
             </a:lvl7pPr>
-            <a:lvl8pPr marL="1864553" indent="0" algn="ctr">
-              <a:buNone/>
-              <a:defRPr sz="932"/>
+            <a:lvl8pPr marL="2551679" indent="0" algn="ctr">
+              <a:buNone/>
+              <a:defRPr sz="1276"/>
             </a:lvl8pPr>
-            <a:lvl9pPr marL="2130918" indent="0" algn="ctr">
-              <a:buNone/>
-              <a:defRPr sz="932"/>
+            <a:lvl9pPr marL="2916204" indent="0" algn="ctr">
+              <a:buNone/>
+              <a:defRPr sz="1276"/>
             </a:lvl9pPr>
           </a:lstStyle>
           <a:p>
@@ -254,7 +254,7 @@
           <a:p>
             <a:fld id="{9B3F4528-C138-4BF2-B6A0-94131316515C}" type="datetimeFigureOut">
               <a:rPr kumimoji="1" lang="ja-JP" altLang="en-US" smtClean="0"/>
-              <a:t>2018/12/3</a:t>
+              <a:t>2018/12/6</a:t>
             </a:fld>
             <a:endParaRPr kumimoji="1" lang="ja-JP" altLang="en-US"/>
           </a:p>
@@ -305,7 +305,7 @@
     </p:spTree>
     <p:extLst>
       <p:ext uri="{BB962C8B-B14F-4D97-AF65-F5344CB8AC3E}">
-        <p14:creationId xmlns:p14="http://schemas.microsoft.com/office/powerpoint/2010/main" val="2067526792"/>
+        <p14:creationId xmlns:p14="http://schemas.microsoft.com/office/powerpoint/2010/main" val="2408341407"/>
       </p:ext>
     </p:extLst>
   </p:cSld>
@@ -456,7 +456,7 @@
           <a:p>
             <a:fld id="{9B3F4528-C138-4BF2-B6A0-94131316515C}" type="datetimeFigureOut">
               <a:rPr kumimoji="1" lang="ja-JP" altLang="en-US" smtClean="0"/>
-              <a:t>2018/12/3</a:t>
+              <a:t>2018/12/6</a:t>
             </a:fld>
             <a:endParaRPr kumimoji="1" lang="ja-JP" altLang="en-US"/>
           </a:p>
@@ -507,7 +507,7 @@
     </p:spTree>
     <p:extLst>
       <p:ext uri="{BB962C8B-B14F-4D97-AF65-F5344CB8AC3E}">
-        <p14:creationId xmlns:p14="http://schemas.microsoft.com/office/powerpoint/2010/main" val="1196230070"/>
+        <p14:creationId xmlns:p14="http://schemas.microsoft.com/office/powerpoint/2010/main" val="1575020000"/>
       </p:ext>
     </p:extLst>
   </p:cSld>
@@ -546,8 +546,8 @@
         </p:nvSpPr>
         <p:spPr>
           <a:xfrm>
-            <a:off x="3812600" y="302834"/>
-            <a:ext cx="1148775" cy="4820328"/>
+            <a:off x="6956063" y="302834"/>
+            <a:ext cx="2095932" cy="4820328"/>
           </a:xfrm>
         </p:spPr>
         <p:txBody>
@@ -574,8 +574,8 @@
         </p:nvSpPr>
         <p:spPr>
           <a:xfrm>
-            <a:off x="366276" y="302834"/>
-            <a:ext cx="3379728" cy="4820328"/>
+            <a:off x="668268" y="302834"/>
+            <a:ext cx="6166292" cy="4820328"/>
           </a:xfrm>
         </p:spPr>
         <p:txBody>
@@ -668,7 +668,7 @@
           <a:p>
             <a:fld id="{9B3F4528-C138-4BF2-B6A0-94131316515C}" type="datetimeFigureOut">
               <a:rPr kumimoji="1" lang="ja-JP" altLang="en-US" smtClean="0"/>
-              <a:t>2018/12/3</a:t>
+              <a:t>2018/12/6</a:t>
             </a:fld>
             <a:endParaRPr kumimoji="1" lang="ja-JP" altLang="en-US"/>
           </a:p>
@@ -719,7 +719,7 @@
     </p:spTree>
     <p:extLst>
       <p:ext uri="{BB962C8B-B14F-4D97-AF65-F5344CB8AC3E}">
-        <p14:creationId xmlns:p14="http://schemas.microsoft.com/office/powerpoint/2010/main" val="3982157545"/>
+        <p14:creationId xmlns:p14="http://schemas.microsoft.com/office/powerpoint/2010/main" val="2090284985"/>
       </p:ext>
     </p:extLst>
   </p:cSld>
@@ -870,7 +870,7 @@
           <a:p>
             <a:fld id="{9B3F4528-C138-4BF2-B6A0-94131316515C}" type="datetimeFigureOut">
               <a:rPr kumimoji="1" lang="ja-JP" altLang="en-US" smtClean="0"/>
-              <a:t>2018/12/3</a:t>
+              <a:t>2018/12/6</a:t>
             </a:fld>
             <a:endParaRPr kumimoji="1" lang="ja-JP" altLang="en-US"/>
           </a:p>
@@ -921,7 +921,7 @@
     </p:spTree>
     <p:extLst>
       <p:ext uri="{BB962C8B-B14F-4D97-AF65-F5344CB8AC3E}">
-        <p14:creationId xmlns:p14="http://schemas.microsoft.com/office/powerpoint/2010/main" val="2646677059"/>
+        <p14:creationId xmlns:p14="http://schemas.microsoft.com/office/powerpoint/2010/main" val="233982743"/>
       </p:ext>
     </p:extLst>
   </p:cSld>
@@ -960,15 +960,15 @@
         </p:nvSpPr>
         <p:spPr>
           <a:xfrm>
-            <a:off x="363501" y="1418055"/>
-            <a:ext cx="4595098" cy="2366055"/>
+            <a:off x="663205" y="1418054"/>
+            <a:ext cx="8383727" cy="2366055"/>
           </a:xfrm>
         </p:spPr>
         <p:txBody>
           <a:bodyPr anchor="b"/>
           <a:lstStyle>
             <a:lvl1pPr>
-              <a:defRPr sz="3496"/>
+              <a:defRPr sz="4784"/>
             </a:lvl1pPr>
           </a:lstStyle>
           <a:p>
@@ -992,8 +992,8 @@
         </p:nvSpPr>
         <p:spPr>
           <a:xfrm>
-            <a:off x="363501" y="3806494"/>
-            <a:ext cx="4595098" cy="1244252"/>
+            <a:off x="663205" y="3806493"/>
+            <a:ext cx="8383727" cy="1244252"/>
           </a:xfrm>
         </p:spPr>
         <p:txBody>
@@ -1001,15 +1001,17 @@
           <a:lstStyle>
             <a:lvl1pPr marL="0" indent="0">
               <a:buNone/>
-              <a:defRPr sz="1398">
+              <a:defRPr sz="1914">
                 <a:solidFill>
-                  <a:schemeClr val="tx1"/>
+                  <a:schemeClr val="tx1">
+                    <a:tint val="75000"/>
+                  </a:schemeClr>
                 </a:solidFill>
               </a:defRPr>
             </a:lvl1pPr>
-            <a:lvl2pPr marL="266365" indent="0">
-              <a:buNone/>
-              <a:defRPr sz="1165">
+            <a:lvl2pPr marL="364526" indent="0">
+              <a:buNone/>
+              <a:defRPr sz="1595">
                 <a:solidFill>
                   <a:schemeClr val="tx1">
                     <a:tint val="75000"/>
@@ -1017,9 +1019,9 @@
                 </a:solidFill>
               </a:defRPr>
             </a:lvl2pPr>
-            <a:lvl3pPr marL="532729" indent="0">
-              <a:buNone/>
-              <a:defRPr sz="1049">
+            <a:lvl3pPr marL="729051" indent="0">
+              <a:buNone/>
+              <a:defRPr sz="1435">
                 <a:solidFill>
                   <a:schemeClr val="tx1">
                     <a:tint val="75000"/>
@@ -1027,9 +1029,9 @@
                 </a:solidFill>
               </a:defRPr>
             </a:lvl3pPr>
-            <a:lvl4pPr marL="799094" indent="0">
-              <a:buNone/>
-              <a:defRPr sz="932">
+            <a:lvl4pPr marL="1093577" indent="0">
+              <a:buNone/>
+              <a:defRPr sz="1276">
                 <a:solidFill>
                   <a:schemeClr val="tx1">
                     <a:tint val="75000"/>
@@ -1037,9 +1039,9 @@
                 </a:solidFill>
               </a:defRPr>
             </a:lvl4pPr>
-            <a:lvl5pPr marL="1065459" indent="0">
-              <a:buNone/>
-              <a:defRPr sz="932">
+            <a:lvl5pPr marL="1458102" indent="0">
+              <a:buNone/>
+              <a:defRPr sz="1276">
                 <a:solidFill>
                   <a:schemeClr val="tx1">
                     <a:tint val="75000"/>
@@ -1047,9 +1049,9 @@
                 </a:solidFill>
               </a:defRPr>
             </a:lvl5pPr>
-            <a:lvl6pPr marL="1331824" indent="0">
-              <a:buNone/>
-              <a:defRPr sz="932">
+            <a:lvl6pPr marL="1822628" indent="0">
+              <a:buNone/>
+              <a:defRPr sz="1276">
                 <a:solidFill>
                   <a:schemeClr val="tx1">
                     <a:tint val="75000"/>
@@ -1057,9 +1059,9 @@
                 </a:solidFill>
               </a:defRPr>
             </a:lvl6pPr>
-            <a:lvl7pPr marL="1598188" indent="0">
-              <a:buNone/>
-              <a:defRPr sz="932">
+            <a:lvl7pPr marL="2187153" indent="0">
+              <a:buNone/>
+              <a:defRPr sz="1276">
                 <a:solidFill>
                   <a:schemeClr val="tx1">
                     <a:tint val="75000"/>
@@ -1067,9 +1069,9 @@
                 </a:solidFill>
               </a:defRPr>
             </a:lvl7pPr>
-            <a:lvl8pPr marL="1864553" indent="0">
-              <a:buNone/>
-              <a:defRPr sz="932">
+            <a:lvl8pPr marL="2551679" indent="0">
+              <a:buNone/>
+              <a:defRPr sz="1276">
                 <a:solidFill>
                   <a:schemeClr val="tx1">
                     <a:tint val="75000"/>
@@ -1077,9 +1079,9 @@
                 </a:solidFill>
               </a:defRPr>
             </a:lvl8pPr>
-            <a:lvl9pPr marL="2130918" indent="0">
-              <a:buNone/>
-              <a:defRPr sz="932">
+            <a:lvl9pPr marL="2916204" indent="0">
+              <a:buNone/>
+              <a:defRPr sz="1276">
                 <a:solidFill>
                   <a:schemeClr val="tx1">
                     <a:tint val="75000"/>
@@ -1114,7 +1116,7 @@
           <a:p>
             <a:fld id="{9B3F4528-C138-4BF2-B6A0-94131316515C}" type="datetimeFigureOut">
               <a:rPr kumimoji="1" lang="ja-JP" altLang="en-US" smtClean="0"/>
-              <a:t>2018/12/3</a:t>
+              <a:t>2018/12/6</a:t>
             </a:fld>
             <a:endParaRPr kumimoji="1" lang="ja-JP" altLang="en-US"/>
           </a:p>
@@ -1165,7 +1167,7 @@
     </p:spTree>
     <p:extLst>
       <p:ext uri="{BB962C8B-B14F-4D97-AF65-F5344CB8AC3E}">
-        <p14:creationId xmlns:p14="http://schemas.microsoft.com/office/powerpoint/2010/main" val="1627828678"/>
+        <p14:creationId xmlns:p14="http://schemas.microsoft.com/office/powerpoint/2010/main" val="592999694"/>
       </p:ext>
     </p:extLst>
   </p:cSld>
@@ -1227,8 +1229,8 @@
         </p:nvSpPr>
         <p:spPr>
           <a:xfrm>
-            <a:off x="366276" y="1514170"/>
-            <a:ext cx="2264251" cy="3608992"/>
+            <a:off x="668268" y="1514170"/>
+            <a:ext cx="4131112" cy="3608992"/>
           </a:xfrm>
         </p:spPr>
         <p:txBody>
@@ -1316,8 +1318,8 @@
         </p:nvSpPr>
         <p:spPr>
           <a:xfrm>
-            <a:off x="2697123" y="1514170"/>
-            <a:ext cx="2264251" cy="3608992"/>
+            <a:off x="4920883" y="1514170"/>
+            <a:ext cx="4131112" cy="3608992"/>
           </a:xfrm>
         </p:spPr>
         <p:txBody>
@@ -1410,7 +1412,7 @@
           <a:p>
             <a:fld id="{9B3F4528-C138-4BF2-B6A0-94131316515C}" type="datetimeFigureOut">
               <a:rPr kumimoji="1" lang="ja-JP" altLang="en-US" smtClean="0"/>
-              <a:t>2018/12/3</a:t>
+              <a:t>2018/12/6</a:t>
             </a:fld>
             <a:endParaRPr kumimoji="1" lang="ja-JP" altLang="en-US"/>
           </a:p>
@@ -1461,7 +1463,7 @@
     </p:spTree>
     <p:extLst>
       <p:ext uri="{BB962C8B-B14F-4D97-AF65-F5344CB8AC3E}">
-        <p14:creationId xmlns:p14="http://schemas.microsoft.com/office/powerpoint/2010/main" val="2794393390"/>
+        <p14:creationId xmlns:p14="http://schemas.microsoft.com/office/powerpoint/2010/main" val="3641275289"/>
       </p:ext>
     </p:extLst>
   </p:cSld>
@@ -1500,8 +1502,8 @@
         </p:nvSpPr>
         <p:spPr>
           <a:xfrm>
-            <a:off x="366970" y="302835"/>
-            <a:ext cx="4595098" cy="1099420"/>
+            <a:off x="669534" y="302834"/>
+            <a:ext cx="8383727" cy="1099420"/>
           </a:xfrm>
         </p:spPr>
         <p:txBody>
@@ -1528,8 +1530,8 @@
         </p:nvSpPr>
         <p:spPr>
           <a:xfrm>
-            <a:off x="366971" y="1394354"/>
-            <a:ext cx="2253845" cy="683351"/>
+            <a:off x="669535" y="1394354"/>
+            <a:ext cx="4112126" cy="683351"/>
           </a:xfrm>
         </p:spPr>
         <p:txBody>
@@ -1537,39 +1539,39 @@
           <a:lstStyle>
             <a:lvl1pPr marL="0" indent="0">
               <a:buNone/>
-              <a:defRPr sz="1398" b="1"/>
+              <a:defRPr sz="1914" b="1"/>
             </a:lvl1pPr>
-            <a:lvl2pPr marL="266365" indent="0">
-              <a:buNone/>
-              <a:defRPr sz="1165" b="1"/>
+            <a:lvl2pPr marL="364526" indent="0">
+              <a:buNone/>
+              <a:defRPr sz="1595" b="1"/>
             </a:lvl2pPr>
-            <a:lvl3pPr marL="532729" indent="0">
-              <a:buNone/>
-              <a:defRPr sz="1049" b="1"/>
+            <a:lvl3pPr marL="729051" indent="0">
+              <a:buNone/>
+              <a:defRPr sz="1435" b="1"/>
             </a:lvl3pPr>
-            <a:lvl4pPr marL="799094" indent="0">
-              <a:buNone/>
-              <a:defRPr sz="932" b="1"/>
+            <a:lvl4pPr marL="1093577" indent="0">
+              <a:buNone/>
+              <a:defRPr sz="1276" b="1"/>
             </a:lvl4pPr>
-            <a:lvl5pPr marL="1065459" indent="0">
-              <a:buNone/>
-              <a:defRPr sz="932" b="1"/>
+            <a:lvl5pPr marL="1458102" indent="0">
+              <a:buNone/>
+              <a:defRPr sz="1276" b="1"/>
             </a:lvl5pPr>
-            <a:lvl6pPr marL="1331824" indent="0">
-              <a:buNone/>
-              <a:defRPr sz="932" b="1"/>
+            <a:lvl6pPr marL="1822628" indent="0">
+              <a:buNone/>
+              <a:defRPr sz="1276" b="1"/>
             </a:lvl6pPr>
-            <a:lvl7pPr marL="1598188" indent="0">
-              <a:buNone/>
-              <a:defRPr sz="932" b="1"/>
+            <a:lvl7pPr marL="2187153" indent="0">
+              <a:buNone/>
+              <a:defRPr sz="1276" b="1"/>
             </a:lvl7pPr>
-            <a:lvl8pPr marL="1864553" indent="0">
-              <a:buNone/>
-              <a:defRPr sz="932" b="1"/>
+            <a:lvl8pPr marL="2551679" indent="0">
+              <a:buNone/>
+              <a:defRPr sz="1276" b="1"/>
             </a:lvl8pPr>
-            <a:lvl9pPr marL="2130918" indent="0">
-              <a:buNone/>
-              <a:defRPr sz="932" b="1"/>
+            <a:lvl9pPr marL="2916204" indent="0">
+              <a:buNone/>
+              <a:defRPr sz="1276" b="1"/>
             </a:lvl9pPr>
           </a:lstStyle>
           <a:p>
@@ -1593,8 +1595,8 @@
         </p:nvSpPr>
         <p:spPr>
           <a:xfrm>
-            <a:off x="366971" y="2077705"/>
-            <a:ext cx="2253845" cy="3055991"/>
+            <a:off x="669535" y="2077705"/>
+            <a:ext cx="4112126" cy="3055991"/>
           </a:xfrm>
         </p:spPr>
         <p:txBody>
@@ -1682,8 +1684,8 @@
         </p:nvSpPr>
         <p:spPr>
           <a:xfrm>
-            <a:off x="2697123" y="1394354"/>
-            <a:ext cx="2264945" cy="683351"/>
+            <a:off x="4920883" y="1394354"/>
+            <a:ext cx="4132378" cy="683351"/>
           </a:xfrm>
         </p:spPr>
         <p:txBody>
@@ -1691,39 +1693,39 @@
           <a:lstStyle>
             <a:lvl1pPr marL="0" indent="0">
               <a:buNone/>
-              <a:defRPr sz="1398" b="1"/>
+              <a:defRPr sz="1914" b="1"/>
             </a:lvl1pPr>
-            <a:lvl2pPr marL="266365" indent="0">
-              <a:buNone/>
-              <a:defRPr sz="1165" b="1"/>
+            <a:lvl2pPr marL="364526" indent="0">
+              <a:buNone/>
+              <a:defRPr sz="1595" b="1"/>
             </a:lvl2pPr>
-            <a:lvl3pPr marL="532729" indent="0">
-              <a:buNone/>
-              <a:defRPr sz="1049" b="1"/>
+            <a:lvl3pPr marL="729051" indent="0">
+              <a:buNone/>
+              <a:defRPr sz="1435" b="1"/>
             </a:lvl3pPr>
-            <a:lvl4pPr marL="799094" indent="0">
-              <a:buNone/>
-              <a:defRPr sz="932" b="1"/>
+            <a:lvl4pPr marL="1093577" indent="0">
+              <a:buNone/>
+              <a:defRPr sz="1276" b="1"/>
             </a:lvl4pPr>
-            <a:lvl5pPr marL="1065459" indent="0">
-              <a:buNone/>
-              <a:defRPr sz="932" b="1"/>
+            <a:lvl5pPr marL="1458102" indent="0">
+              <a:buNone/>
+              <a:defRPr sz="1276" b="1"/>
             </a:lvl5pPr>
-            <a:lvl6pPr marL="1331824" indent="0">
-              <a:buNone/>
-              <a:defRPr sz="932" b="1"/>
+            <a:lvl6pPr marL="1822628" indent="0">
+              <a:buNone/>
+              <a:defRPr sz="1276" b="1"/>
             </a:lvl6pPr>
-            <a:lvl7pPr marL="1598188" indent="0">
-              <a:buNone/>
-              <a:defRPr sz="932" b="1"/>
+            <a:lvl7pPr marL="2187153" indent="0">
+              <a:buNone/>
+              <a:defRPr sz="1276" b="1"/>
             </a:lvl7pPr>
-            <a:lvl8pPr marL="1864553" indent="0">
-              <a:buNone/>
-              <a:defRPr sz="932" b="1"/>
+            <a:lvl8pPr marL="2551679" indent="0">
+              <a:buNone/>
+              <a:defRPr sz="1276" b="1"/>
             </a:lvl8pPr>
-            <a:lvl9pPr marL="2130918" indent="0">
-              <a:buNone/>
-              <a:defRPr sz="932" b="1"/>
+            <a:lvl9pPr marL="2916204" indent="0">
+              <a:buNone/>
+              <a:defRPr sz="1276" b="1"/>
             </a:lvl9pPr>
           </a:lstStyle>
           <a:p>
@@ -1747,8 +1749,8 @@
         </p:nvSpPr>
         <p:spPr>
           <a:xfrm>
-            <a:off x="2697123" y="2077705"/>
-            <a:ext cx="2264945" cy="3055991"/>
+            <a:off x="4920883" y="2077705"/>
+            <a:ext cx="4132378" cy="3055991"/>
           </a:xfrm>
         </p:spPr>
         <p:txBody>
@@ -1841,7 +1843,7 @@
           <a:p>
             <a:fld id="{9B3F4528-C138-4BF2-B6A0-94131316515C}" type="datetimeFigureOut">
               <a:rPr kumimoji="1" lang="ja-JP" altLang="en-US" smtClean="0"/>
-              <a:t>2018/12/3</a:t>
+              <a:t>2018/12/6</a:t>
             </a:fld>
             <a:endParaRPr kumimoji="1" lang="ja-JP" altLang="en-US"/>
           </a:p>
@@ -1892,7 +1894,7 @@
     </p:spTree>
     <p:extLst>
       <p:ext uri="{BB962C8B-B14F-4D97-AF65-F5344CB8AC3E}">
-        <p14:creationId xmlns:p14="http://schemas.microsoft.com/office/powerpoint/2010/main" val="3938801442"/>
+        <p14:creationId xmlns:p14="http://schemas.microsoft.com/office/powerpoint/2010/main" val="2173429828"/>
       </p:ext>
     </p:extLst>
   </p:cSld>
@@ -1959,7 +1961,7 @@
           <a:p>
             <a:fld id="{9B3F4528-C138-4BF2-B6A0-94131316515C}" type="datetimeFigureOut">
               <a:rPr kumimoji="1" lang="ja-JP" altLang="en-US" smtClean="0"/>
-              <a:t>2018/12/3</a:t>
+              <a:t>2018/12/6</a:t>
             </a:fld>
             <a:endParaRPr kumimoji="1" lang="ja-JP" altLang="en-US"/>
           </a:p>
@@ -2010,7 +2012,7 @@
     </p:spTree>
     <p:extLst>
       <p:ext uri="{BB962C8B-B14F-4D97-AF65-F5344CB8AC3E}">
-        <p14:creationId xmlns:p14="http://schemas.microsoft.com/office/powerpoint/2010/main" val="2811540312"/>
+        <p14:creationId xmlns:p14="http://schemas.microsoft.com/office/powerpoint/2010/main" val="807161256"/>
       </p:ext>
     </p:extLst>
   </p:cSld>
@@ -2054,7 +2056,7 @@
           <a:p>
             <a:fld id="{9B3F4528-C138-4BF2-B6A0-94131316515C}" type="datetimeFigureOut">
               <a:rPr kumimoji="1" lang="ja-JP" altLang="en-US" smtClean="0"/>
-              <a:t>2018/12/3</a:t>
+              <a:t>2018/12/6</a:t>
             </a:fld>
             <a:endParaRPr kumimoji="1" lang="ja-JP" altLang="en-US"/>
           </a:p>
@@ -2105,7 +2107,7 @@
     </p:spTree>
     <p:extLst>
       <p:ext uri="{BB962C8B-B14F-4D97-AF65-F5344CB8AC3E}">
-        <p14:creationId xmlns:p14="http://schemas.microsoft.com/office/powerpoint/2010/main" val="1662164947"/>
+        <p14:creationId xmlns:p14="http://schemas.microsoft.com/office/powerpoint/2010/main" val="1652011730"/>
       </p:ext>
     </p:extLst>
   </p:cSld>
@@ -2144,15 +2146,15 @@
         </p:nvSpPr>
         <p:spPr>
           <a:xfrm>
-            <a:off x="366970" y="379201"/>
-            <a:ext cx="1718306" cy="1327203"/>
+            <a:off x="669534" y="379201"/>
+            <a:ext cx="3135038" cy="1327203"/>
           </a:xfrm>
         </p:spPr>
         <p:txBody>
           <a:bodyPr anchor="b"/>
           <a:lstStyle>
             <a:lvl1pPr>
-              <a:defRPr sz="1864"/>
+              <a:defRPr sz="2551"/>
             </a:lvl1pPr>
           </a:lstStyle>
           <a:p>
@@ -2176,39 +2178,39 @@
         </p:nvSpPr>
         <p:spPr>
           <a:xfrm>
-            <a:off x="2264945" y="818970"/>
-            <a:ext cx="2697123" cy="4042176"/>
+            <a:off x="4132378" y="818969"/>
+            <a:ext cx="4920883" cy="4042176"/>
           </a:xfrm>
         </p:spPr>
         <p:txBody>
           <a:bodyPr/>
           <a:lstStyle>
             <a:lvl1pPr>
-              <a:defRPr sz="1864"/>
+              <a:defRPr sz="2551"/>
             </a:lvl1pPr>
             <a:lvl2pPr>
-              <a:defRPr sz="1631"/>
+              <a:defRPr sz="2232"/>
             </a:lvl2pPr>
             <a:lvl3pPr>
-              <a:defRPr sz="1398"/>
+              <a:defRPr sz="1914"/>
             </a:lvl3pPr>
             <a:lvl4pPr>
-              <a:defRPr sz="1165"/>
+              <a:defRPr sz="1595"/>
             </a:lvl4pPr>
             <a:lvl5pPr>
-              <a:defRPr sz="1165"/>
+              <a:defRPr sz="1595"/>
             </a:lvl5pPr>
             <a:lvl6pPr>
-              <a:defRPr sz="1165"/>
+              <a:defRPr sz="1595"/>
             </a:lvl6pPr>
             <a:lvl7pPr>
-              <a:defRPr sz="1165"/>
+              <a:defRPr sz="1595"/>
             </a:lvl7pPr>
             <a:lvl8pPr>
-              <a:defRPr sz="1165"/>
+              <a:defRPr sz="1595"/>
             </a:lvl8pPr>
             <a:lvl9pPr>
-              <a:defRPr sz="1165"/>
+              <a:defRPr sz="1595"/>
             </a:lvl9pPr>
           </a:lstStyle>
           <a:p>
@@ -2293,8 +2295,8 @@
         </p:nvSpPr>
         <p:spPr>
           <a:xfrm>
-            <a:off x="366970" y="1706404"/>
-            <a:ext cx="1718306" cy="3161324"/>
+            <a:off x="669534" y="1706404"/>
+            <a:ext cx="3135038" cy="3161324"/>
           </a:xfrm>
         </p:spPr>
         <p:txBody>
@@ -2302,39 +2304,39 @@
           <a:lstStyle>
             <a:lvl1pPr marL="0" indent="0">
               <a:buNone/>
-              <a:defRPr sz="932"/>
+              <a:defRPr sz="1276"/>
             </a:lvl1pPr>
-            <a:lvl2pPr marL="266365" indent="0">
-              <a:buNone/>
-              <a:defRPr sz="816"/>
+            <a:lvl2pPr marL="364526" indent="0">
+              <a:buNone/>
+              <a:defRPr sz="1116"/>
             </a:lvl2pPr>
-            <a:lvl3pPr marL="532729" indent="0">
-              <a:buNone/>
-              <a:defRPr sz="699"/>
+            <a:lvl3pPr marL="729051" indent="0">
+              <a:buNone/>
+              <a:defRPr sz="957"/>
             </a:lvl3pPr>
-            <a:lvl4pPr marL="799094" indent="0">
-              <a:buNone/>
-              <a:defRPr sz="583"/>
+            <a:lvl4pPr marL="1093577" indent="0">
+              <a:buNone/>
+              <a:defRPr sz="797"/>
             </a:lvl4pPr>
-            <a:lvl5pPr marL="1065459" indent="0">
-              <a:buNone/>
-              <a:defRPr sz="583"/>
+            <a:lvl5pPr marL="1458102" indent="0">
+              <a:buNone/>
+              <a:defRPr sz="797"/>
             </a:lvl5pPr>
-            <a:lvl6pPr marL="1331824" indent="0">
-              <a:buNone/>
-              <a:defRPr sz="583"/>
+            <a:lvl6pPr marL="1822628" indent="0">
+              <a:buNone/>
+              <a:defRPr sz="797"/>
             </a:lvl6pPr>
-            <a:lvl7pPr marL="1598188" indent="0">
-              <a:buNone/>
-              <a:defRPr sz="583"/>
+            <a:lvl7pPr marL="2187153" indent="0">
+              <a:buNone/>
+              <a:defRPr sz="797"/>
             </a:lvl7pPr>
-            <a:lvl8pPr marL="1864553" indent="0">
-              <a:buNone/>
-              <a:defRPr sz="583"/>
+            <a:lvl8pPr marL="2551679" indent="0">
+              <a:buNone/>
+              <a:defRPr sz="797"/>
             </a:lvl8pPr>
-            <a:lvl9pPr marL="2130918" indent="0">
-              <a:buNone/>
-              <a:defRPr sz="583"/>
+            <a:lvl9pPr marL="2916204" indent="0">
+              <a:buNone/>
+              <a:defRPr sz="797"/>
             </a:lvl9pPr>
           </a:lstStyle>
           <a:p>
@@ -2363,7 +2365,7 @@
           <a:p>
             <a:fld id="{9B3F4528-C138-4BF2-B6A0-94131316515C}" type="datetimeFigureOut">
               <a:rPr kumimoji="1" lang="ja-JP" altLang="en-US" smtClean="0"/>
-              <a:t>2018/12/3</a:t>
+              <a:t>2018/12/6</a:t>
             </a:fld>
             <a:endParaRPr kumimoji="1" lang="ja-JP" altLang="en-US"/>
           </a:p>
@@ -2414,7 +2416,7 @@
     </p:spTree>
     <p:extLst>
       <p:ext uri="{BB962C8B-B14F-4D97-AF65-F5344CB8AC3E}">
-        <p14:creationId xmlns:p14="http://schemas.microsoft.com/office/powerpoint/2010/main" val="3592469769"/>
+        <p14:creationId xmlns:p14="http://schemas.microsoft.com/office/powerpoint/2010/main" val="1177152880"/>
       </p:ext>
     </p:extLst>
   </p:cSld>
@@ -2453,15 +2455,15 @@
         </p:nvSpPr>
         <p:spPr>
           <a:xfrm>
-            <a:off x="366970" y="379201"/>
-            <a:ext cx="1718306" cy="1327203"/>
+            <a:off x="669534" y="379201"/>
+            <a:ext cx="3135038" cy="1327203"/>
           </a:xfrm>
         </p:spPr>
         <p:txBody>
           <a:bodyPr anchor="b"/>
           <a:lstStyle>
             <a:lvl1pPr>
-              <a:defRPr sz="1864"/>
+              <a:defRPr sz="2551"/>
             </a:lvl1pPr>
           </a:lstStyle>
           <a:p>
@@ -2485,8 +2487,8 @@
         </p:nvSpPr>
         <p:spPr>
           <a:xfrm>
-            <a:off x="2264945" y="818970"/>
-            <a:ext cx="2697123" cy="4042176"/>
+            <a:off x="4132378" y="818969"/>
+            <a:ext cx="4920883" cy="4042176"/>
           </a:xfrm>
         </p:spPr>
         <p:txBody>
@@ -2494,39 +2496,39 @@
           <a:lstStyle>
             <a:lvl1pPr marL="0" indent="0">
               <a:buNone/>
-              <a:defRPr sz="1864"/>
+              <a:defRPr sz="2551"/>
             </a:lvl1pPr>
-            <a:lvl2pPr marL="266365" indent="0">
-              <a:buNone/>
-              <a:defRPr sz="1631"/>
+            <a:lvl2pPr marL="364526" indent="0">
+              <a:buNone/>
+              <a:defRPr sz="2232"/>
             </a:lvl2pPr>
-            <a:lvl3pPr marL="532729" indent="0">
-              <a:buNone/>
-              <a:defRPr sz="1398"/>
+            <a:lvl3pPr marL="729051" indent="0">
+              <a:buNone/>
+              <a:defRPr sz="1914"/>
             </a:lvl3pPr>
-            <a:lvl4pPr marL="799094" indent="0">
-              <a:buNone/>
-              <a:defRPr sz="1165"/>
+            <a:lvl4pPr marL="1093577" indent="0">
+              <a:buNone/>
+              <a:defRPr sz="1595"/>
             </a:lvl4pPr>
-            <a:lvl5pPr marL="1065459" indent="0">
-              <a:buNone/>
-              <a:defRPr sz="1165"/>
+            <a:lvl5pPr marL="1458102" indent="0">
+              <a:buNone/>
+              <a:defRPr sz="1595"/>
             </a:lvl5pPr>
-            <a:lvl6pPr marL="1331824" indent="0">
-              <a:buNone/>
-              <a:defRPr sz="1165"/>
+            <a:lvl6pPr marL="1822628" indent="0">
+              <a:buNone/>
+              <a:defRPr sz="1595"/>
             </a:lvl6pPr>
-            <a:lvl7pPr marL="1598188" indent="0">
-              <a:buNone/>
-              <a:defRPr sz="1165"/>
+            <a:lvl7pPr marL="2187153" indent="0">
+              <a:buNone/>
+              <a:defRPr sz="1595"/>
             </a:lvl7pPr>
-            <a:lvl8pPr marL="1864553" indent="0">
-              <a:buNone/>
-              <a:defRPr sz="1165"/>
+            <a:lvl8pPr marL="2551679" indent="0">
+              <a:buNone/>
+              <a:defRPr sz="1595"/>
             </a:lvl8pPr>
-            <a:lvl9pPr marL="2130918" indent="0">
-              <a:buNone/>
-              <a:defRPr sz="1165"/>
+            <a:lvl9pPr marL="2916204" indent="0">
+              <a:buNone/>
+              <a:defRPr sz="1595"/>
             </a:lvl9pPr>
           </a:lstStyle>
           <a:p>
@@ -2550,8 +2552,8 @@
         </p:nvSpPr>
         <p:spPr>
           <a:xfrm>
-            <a:off x="366970" y="1706404"/>
-            <a:ext cx="1718306" cy="3161324"/>
+            <a:off x="669534" y="1706404"/>
+            <a:ext cx="3135038" cy="3161324"/>
           </a:xfrm>
         </p:spPr>
         <p:txBody>
@@ -2559,39 +2561,39 @@
           <a:lstStyle>
             <a:lvl1pPr marL="0" indent="0">
               <a:buNone/>
-              <a:defRPr sz="932"/>
+              <a:defRPr sz="1276"/>
             </a:lvl1pPr>
-            <a:lvl2pPr marL="266365" indent="0">
-              <a:buNone/>
-              <a:defRPr sz="816"/>
+            <a:lvl2pPr marL="364526" indent="0">
+              <a:buNone/>
+              <a:defRPr sz="1116"/>
             </a:lvl2pPr>
-            <a:lvl3pPr marL="532729" indent="0">
-              <a:buNone/>
-              <a:defRPr sz="699"/>
+            <a:lvl3pPr marL="729051" indent="0">
+              <a:buNone/>
+              <a:defRPr sz="957"/>
             </a:lvl3pPr>
-            <a:lvl4pPr marL="799094" indent="0">
-              <a:buNone/>
-              <a:defRPr sz="583"/>
+            <a:lvl4pPr marL="1093577" indent="0">
+              <a:buNone/>
+              <a:defRPr sz="797"/>
             </a:lvl4pPr>
-            <a:lvl5pPr marL="1065459" indent="0">
-              <a:buNone/>
-              <a:defRPr sz="583"/>
+            <a:lvl5pPr marL="1458102" indent="0">
+              <a:buNone/>
+              <a:defRPr sz="797"/>
             </a:lvl5pPr>
-            <a:lvl6pPr marL="1331824" indent="0">
-              <a:buNone/>
-              <a:defRPr sz="583"/>
+            <a:lvl6pPr marL="1822628" indent="0">
+              <a:buNone/>
+              <a:defRPr sz="797"/>
             </a:lvl6pPr>
-            <a:lvl7pPr marL="1598188" indent="0">
-              <a:buNone/>
-              <a:defRPr sz="583"/>
+            <a:lvl7pPr marL="2187153" indent="0">
+              <a:buNone/>
+              <a:defRPr sz="797"/>
             </a:lvl7pPr>
-            <a:lvl8pPr marL="1864553" indent="0">
-              <a:buNone/>
-              <a:defRPr sz="583"/>
+            <a:lvl8pPr marL="2551679" indent="0">
+              <a:buNone/>
+              <a:defRPr sz="797"/>
             </a:lvl8pPr>
-            <a:lvl9pPr marL="2130918" indent="0">
-              <a:buNone/>
-              <a:defRPr sz="583"/>
+            <a:lvl9pPr marL="2916204" indent="0">
+              <a:buNone/>
+              <a:defRPr sz="797"/>
             </a:lvl9pPr>
           </a:lstStyle>
           <a:p>
@@ -2620,7 +2622,7 @@
           <a:p>
             <a:fld id="{9B3F4528-C138-4BF2-B6A0-94131316515C}" type="datetimeFigureOut">
               <a:rPr kumimoji="1" lang="ja-JP" altLang="en-US" smtClean="0"/>
-              <a:t>2018/12/3</a:t>
+              <a:t>2018/12/6</a:t>
             </a:fld>
             <a:endParaRPr kumimoji="1" lang="ja-JP" altLang="en-US"/>
           </a:p>
@@ -2671,7 +2673,7 @@
     </p:spTree>
     <p:extLst>
       <p:ext uri="{BB962C8B-B14F-4D97-AF65-F5344CB8AC3E}">
-        <p14:creationId xmlns:p14="http://schemas.microsoft.com/office/powerpoint/2010/main" val="546484590"/>
+        <p14:creationId xmlns:p14="http://schemas.microsoft.com/office/powerpoint/2010/main" val="614647157"/>
       </p:ext>
     </p:extLst>
   </p:cSld>
@@ -2715,8 +2717,8 @@
         </p:nvSpPr>
         <p:spPr>
           <a:xfrm>
-            <a:off x="366276" y="302835"/>
-            <a:ext cx="4595098" cy="1099420"/>
+            <a:off x="668268" y="302834"/>
+            <a:ext cx="8383727" cy="1099420"/>
           </a:xfrm>
           <a:prstGeom prst="rect">
             <a:avLst/>
@@ -2748,8 +2750,8 @@
         </p:nvSpPr>
         <p:spPr>
           <a:xfrm>
-            <a:off x="366276" y="1514170"/>
-            <a:ext cx="4595098" cy="3608992"/>
+            <a:off x="668268" y="1514170"/>
+            <a:ext cx="8383727" cy="3608992"/>
           </a:xfrm>
           <a:prstGeom prst="rect">
             <a:avLst/>
@@ -2842,8 +2844,8 @@
         </p:nvSpPr>
         <p:spPr>
           <a:xfrm>
-            <a:off x="366276" y="5271947"/>
-            <a:ext cx="1198721" cy="302834"/>
+            <a:off x="668268" y="5271946"/>
+            <a:ext cx="2187059" cy="302834"/>
           </a:xfrm>
           <a:prstGeom prst="rect">
             <a:avLst/>
@@ -2853,7 +2855,7 @@
           <a:bodyPr vert="horz" lIns="91440" tIns="45720" rIns="91440" bIns="45720" rtlCol="0" anchor="ctr"/>
           <a:lstStyle>
             <a:lvl1pPr algn="l">
-              <a:defRPr sz="699">
+              <a:defRPr sz="957">
                 <a:solidFill>
                   <a:schemeClr val="tx1">
                     <a:tint val="75000"/>
@@ -2865,7 +2867,7 @@
           <a:p>
             <a:fld id="{9B3F4528-C138-4BF2-B6A0-94131316515C}" type="datetimeFigureOut">
               <a:rPr kumimoji="1" lang="ja-JP" altLang="en-US" smtClean="0"/>
-              <a:t>2018/12/3</a:t>
+              <a:t>2018/12/6</a:t>
             </a:fld>
             <a:endParaRPr kumimoji="1" lang="ja-JP" altLang="en-US"/>
           </a:p>
@@ -2883,8 +2885,8 @@
         </p:nvSpPr>
         <p:spPr>
           <a:xfrm>
-            <a:off x="1764784" y="5271947"/>
-            <a:ext cx="1798082" cy="302834"/>
+            <a:off x="3219837" y="5271946"/>
+            <a:ext cx="3280589" cy="302834"/>
           </a:xfrm>
           <a:prstGeom prst="rect">
             <a:avLst/>
@@ -2894,7 +2896,7 @@
           <a:bodyPr vert="horz" lIns="91440" tIns="45720" rIns="91440" bIns="45720" rtlCol="0" anchor="ctr"/>
           <a:lstStyle>
             <a:lvl1pPr algn="ctr">
-              <a:defRPr sz="699">
+              <a:defRPr sz="957">
                 <a:solidFill>
                   <a:schemeClr val="tx1">
                     <a:tint val="75000"/>
@@ -2920,8 +2922,8 @@
         </p:nvSpPr>
         <p:spPr>
           <a:xfrm>
-            <a:off x="3762653" y="5271947"/>
-            <a:ext cx="1198721" cy="302834"/>
+            <a:off x="6864936" y="5271946"/>
+            <a:ext cx="2187059" cy="302834"/>
           </a:xfrm>
           <a:prstGeom prst="rect">
             <a:avLst/>
@@ -2931,7 +2933,7 @@
           <a:bodyPr vert="horz" lIns="91440" tIns="45720" rIns="91440" bIns="45720" rtlCol="0" anchor="ctr"/>
           <a:lstStyle>
             <a:lvl1pPr algn="r">
-              <a:defRPr sz="699">
+              <a:defRPr sz="957">
                 <a:solidFill>
                   <a:schemeClr val="tx1">
                     <a:tint val="75000"/>
@@ -2952,27 +2954,27 @@
     </p:spTree>
     <p:extLst>
       <p:ext uri="{BB962C8B-B14F-4D97-AF65-F5344CB8AC3E}">
-        <p14:creationId xmlns:p14="http://schemas.microsoft.com/office/powerpoint/2010/main" val="1077332615"/>
+        <p14:creationId xmlns:p14="http://schemas.microsoft.com/office/powerpoint/2010/main" val="1657889951"/>
       </p:ext>
     </p:extLst>
   </p:cSld>
   <p:clrMap bg1="lt1" tx1="dk1" bg2="lt2" tx2="dk2" accent1="accent1" accent2="accent2" accent3="accent3" accent4="accent4" accent5="accent5" accent6="accent6" hlink="hlink" folHlink="folHlink"/>
   <p:sldLayoutIdLst>
-    <p:sldLayoutId id="2147483973" r:id="rId1"/>
-    <p:sldLayoutId id="2147483974" r:id="rId2"/>
-    <p:sldLayoutId id="2147483975" r:id="rId3"/>
-    <p:sldLayoutId id="2147483976" r:id="rId4"/>
-    <p:sldLayoutId id="2147483977" r:id="rId5"/>
-    <p:sldLayoutId id="2147483978" r:id="rId6"/>
-    <p:sldLayoutId id="2147483979" r:id="rId7"/>
-    <p:sldLayoutId id="2147483980" r:id="rId8"/>
-    <p:sldLayoutId id="2147483981" r:id="rId9"/>
-    <p:sldLayoutId id="2147483982" r:id="rId10"/>
-    <p:sldLayoutId id="2147483983" r:id="rId11"/>
+    <p:sldLayoutId id="2147484009" r:id="rId1"/>
+    <p:sldLayoutId id="2147484010" r:id="rId2"/>
+    <p:sldLayoutId id="2147484011" r:id="rId3"/>
+    <p:sldLayoutId id="2147484012" r:id="rId4"/>
+    <p:sldLayoutId id="2147484013" r:id="rId5"/>
+    <p:sldLayoutId id="2147484014" r:id="rId6"/>
+    <p:sldLayoutId id="2147484015" r:id="rId7"/>
+    <p:sldLayoutId id="2147484016" r:id="rId8"/>
+    <p:sldLayoutId id="2147484017" r:id="rId9"/>
+    <p:sldLayoutId id="2147484018" r:id="rId10"/>
+    <p:sldLayoutId id="2147484019" r:id="rId11"/>
   </p:sldLayoutIdLst>
   <p:txStyles>
     <p:titleStyle>
-      <a:lvl1pPr algn="l" defTabSz="532729" rtl="0" eaLnBrk="1" latinLnBrk="0" hangingPunct="1">
+      <a:lvl1pPr algn="l" defTabSz="729051" rtl="0" eaLnBrk="1" latinLnBrk="0" hangingPunct="1">
         <a:lnSpc>
           <a:spcPct val="90000"/>
         </a:lnSpc>
@@ -2980,7 +2982,7 @@
           <a:spcPct val="0"/>
         </a:spcBef>
         <a:buNone/>
-        <a:defRPr kumimoji="1" sz="2563" kern="1200">
+        <a:defRPr kumimoji="1" sz="3508" kern="1200">
           <a:solidFill>
             <a:schemeClr val="tx1"/>
           </a:solidFill>
@@ -2991,16 +2993,16 @@
       </a:lvl1pPr>
     </p:titleStyle>
     <p:bodyStyle>
-      <a:lvl1pPr marL="133182" indent="-133182" algn="l" defTabSz="532729" rtl="0" eaLnBrk="1" latinLnBrk="0" hangingPunct="1">
+      <a:lvl1pPr marL="182263" indent="-182263" algn="l" defTabSz="729051" rtl="0" eaLnBrk="1" latinLnBrk="0" hangingPunct="1">
         <a:lnSpc>
           <a:spcPct val="90000"/>
         </a:lnSpc>
         <a:spcBef>
-          <a:spcPts val="583"/>
+          <a:spcPts val="797"/>
         </a:spcBef>
         <a:buFont typeface="Arial" panose="020B0604020202020204" pitchFamily="34" charset="0"/>
         <a:buChar char="•"/>
-        <a:defRPr kumimoji="1" sz="1631" kern="1200">
+        <a:defRPr kumimoji="1" sz="2232" kern="1200">
           <a:solidFill>
             <a:schemeClr val="tx1"/>
           </a:solidFill>
@@ -3009,16 +3011,16 @@
           <a:cs typeface="+mn-cs"/>
         </a:defRPr>
       </a:lvl1pPr>
-      <a:lvl2pPr marL="399547" indent="-133182" algn="l" defTabSz="532729" rtl="0" eaLnBrk="1" latinLnBrk="0" hangingPunct="1">
+      <a:lvl2pPr marL="546788" indent="-182263" algn="l" defTabSz="729051" rtl="0" eaLnBrk="1" latinLnBrk="0" hangingPunct="1">
         <a:lnSpc>
           <a:spcPct val="90000"/>
         </a:lnSpc>
         <a:spcBef>
-          <a:spcPts val="291"/>
+          <a:spcPts val="399"/>
         </a:spcBef>
         <a:buFont typeface="Arial" panose="020B0604020202020204" pitchFamily="34" charset="0"/>
         <a:buChar char="•"/>
-        <a:defRPr kumimoji="1" sz="1398" kern="1200">
+        <a:defRPr kumimoji="1" sz="1914" kern="1200">
           <a:solidFill>
             <a:schemeClr val="tx1"/>
           </a:solidFill>
@@ -3027,16 +3029,16 @@
           <a:cs typeface="+mn-cs"/>
         </a:defRPr>
       </a:lvl2pPr>
-      <a:lvl3pPr marL="665912" indent="-133182" algn="l" defTabSz="532729" rtl="0" eaLnBrk="1" latinLnBrk="0" hangingPunct="1">
+      <a:lvl3pPr marL="911314" indent="-182263" algn="l" defTabSz="729051" rtl="0" eaLnBrk="1" latinLnBrk="0" hangingPunct="1">
         <a:lnSpc>
           <a:spcPct val="90000"/>
         </a:lnSpc>
         <a:spcBef>
-          <a:spcPts val="291"/>
+          <a:spcPts val="399"/>
         </a:spcBef>
         <a:buFont typeface="Arial" panose="020B0604020202020204" pitchFamily="34" charset="0"/>
         <a:buChar char="•"/>
-        <a:defRPr kumimoji="1" sz="1165" kern="1200">
+        <a:defRPr kumimoji="1" sz="1595" kern="1200">
           <a:solidFill>
             <a:schemeClr val="tx1"/>
           </a:solidFill>
@@ -3045,16 +3047,16 @@
           <a:cs typeface="+mn-cs"/>
         </a:defRPr>
       </a:lvl3pPr>
-      <a:lvl4pPr marL="932277" indent="-133182" algn="l" defTabSz="532729" rtl="0" eaLnBrk="1" latinLnBrk="0" hangingPunct="1">
+      <a:lvl4pPr marL="1275839" indent="-182263" algn="l" defTabSz="729051" rtl="0" eaLnBrk="1" latinLnBrk="0" hangingPunct="1">
         <a:lnSpc>
           <a:spcPct val="90000"/>
         </a:lnSpc>
         <a:spcBef>
-          <a:spcPts val="291"/>
+          <a:spcPts val="399"/>
         </a:spcBef>
         <a:buFont typeface="Arial" panose="020B0604020202020204" pitchFamily="34" charset="0"/>
         <a:buChar char="•"/>
-        <a:defRPr kumimoji="1" sz="1049" kern="1200">
+        <a:defRPr kumimoji="1" sz="1435" kern="1200">
           <a:solidFill>
             <a:schemeClr val="tx1"/>
           </a:solidFill>
@@ -3063,16 +3065,16 @@
           <a:cs typeface="+mn-cs"/>
         </a:defRPr>
       </a:lvl4pPr>
-      <a:lvl5pPr marL="1198641" indent="-133182" algn="l" defTabSz="532729" rtl="0" eaLnBrk="1" latinLnBrk="0" hangingPunct="1">
+      <a:lvl5pPr marL="1640365" indent="-182263" algn="l" defTabSz="729051" rtl="0" eaLnBrk="1" latinLnBrk="0" hangingPunct="1">
         <a:lnSpc>
           <a:spcPct val="90000"/>
         </a:lnSpc>
         <a:spcBef>
-          <a:spcPts val="291"/>
+          <a:spcPts val="399"/>
         </a:spcBef>
         <a:buFont typeface="Arial" panose="020B0604020202020204" pitchFamily="34" charset="0"/>
         <a:buChar char="•"/>
-        <a:defRPr kumimoji="1" sz="1049" kern="1200">
+        <a:defRPr kumimoji="1" sz="1435" kern="1200">
           <a:solidFill>
             <a:schemeClr val="tx1"/>
           </a:solidFill>
@@ -3081,16 +3083,16 @@
           <a:cs typeface="+mn-cs"/>
         </a:defRPr>
       </a:lvl5pPr>
-      <a:lvl6pPr marL="1465006" indent="-133182" algn="l" defTabSz="532729" rtl="0" eaLnBrk="1" latinLnBrk="0" hangingPunct="1">
+      <a:lvl6pPr marL="2004891" indent="-182263" algn="l" defTabSz="729051" rtl="0" eaLnBrk="1" latinLnBrk="0" hangingPunct="1">
         <a:lnSpc>
           <a:spcPct val="90000"/>
         </a:lnSpc>
         <a:spcBef>
-          <a:spcPts val="291"/>
+          <a:spcPts val="399"/>
         </a:spcBef>
         <a:buFont typeface="Arial" panose="020B0604020202020204" pitchFamily="34" charset="0"/>
         <a:buChar char="•"/>
-        <a:defRPr kumimoji="1" sz="1049" kern="1200">
+        <a:defRPr kumimoji="1" sz="1435" kern="1200">
           <a:solidFill>
             <a:schemeClr val="tx1"/>
           </a:solidFill>
@@ -3099,16 +3101,16 @@
           <a:cs typeface="+mn-cs"/>
         </a:defRPr>
       </a:lvl6pPr>
-      <a:lvl7pPr marL="1731371" indent="-133182" algn="l" defTabSz="532729" rtl="0" eaLnBrk="1" latinLnBrk="0" hangingPunct="1">
+      <a:lvl7pPr marL="2369416" indent="-182263" algn="l" defTabSz="729051" rtl="0" eaLnBrk="1" latinLnBrk="0" hangingPunct="1">
         <a:lnSpc>
           <a:spcPct val="90000"/>
         </a:lnSpc>
         <a:spcBef>
-          <a:spcPts val="291"/>
+          <a:spcPts val="399"/>
         </a:spcBef>
         <a:buFont typeface="Arial" panose="020B0604020202020204" pitchFamily="34" charset="0"/>
         <a:buChar char="•"/>
-        <a:defRPr kumimoji="1" sz="1049" kern="1200">
+        <a:defRPr kumimoji="1" sz="1435" kern="1200">
           <a:solidFill>
             <a:schemeClr val="tx1"/>
           </a:solidFill>
@@ -3117,16 +3119,16 @@
           <a:cs typeface="+mn-cs"/>
         </a:defRPr>
       </a:lvl7pPr>
-      <a:lvl8pPr marL="1997735" indent="-133182" algn="l" defTabSz="532729" rtl="0" eaLnBrk="1" latinLnBrk="0" hangingPunct="1">
+      <a:lvl8pPr marL="2733942" indent="-182263" algn="l" defTabSz="729051" rtl="0" eaLnBrk="1" latinLnBrk="0" hangingPunct="1">
         <a:lnSpc>
           <a:spcPct val="90000"/>
         </a:lnSpc>
         <a:spcBef>
-          <a:spcPts val="291"/>
+          <a:spcPts val="399"/>
         </a:spcBef>
         <a:buFont typeface="Arial" panose="020B0604020202020204" pitchFamily="34" charset="0"/>
         <a:buChar char="•"/>
-        <a:defRPr kumimoji="1" sz="1049" kern="1200">
+        <a:defRPr kumimoji="1" sz="1435" kern="1200">
           <a:solidFill>
             <a:schemeClr val="tx1"/>
           </a:solidFill>
@@ -3135,16 +3137,16 @@
           <a:cs typeface="+mn-cs"/>
         </a:defRPr>
       </a:lvl8pPr>
-      <a:lvl9pPr marL="2264100" indent="-133182" algn="l" defTabSz="532729" rtl="0" eaLnBrk="1" latinLnBrk="0" hangingPunct="1">
+      <a:lvl9pPr marL="3098467" indent="-182263" algn="l" defTabSz="729051" rtl="0" eaLnBrk="1" latinLnBrk="0" hangingPunct="1">
         <a:lnSpc>
           <a:spcPct val="90000"/>
         </a:lnSpc>
         <a:spcBef>
-          <a:spcPts val="291"/>
+          <a:spcPts val="399"/>
         </a:spcBef>
         <a:buFont typeface="Arial" panose="020B0604020202020204" pitchFamily="34" charset="0"/>
         <a:buChar char="•"/>
-        <a:defRPr kumimoji="1" sz="1049" kern="1200">
+        <a:defRPr kumimoji="1" sz="1435" kern="1200">
           <a:solidFill>
             <a:schemeClr val="tx1"/>
           </a:solidFill>
@@ -3158,8 +3160,8 @@
       <a:defPPr>
         <a:defRPr lang="en-US"/>
       </a:defPPr>
-      <a:lvl1pPr marL="0" algn="l" defTabSz="532729" rtl="0" eaLnBrk="1" latinLnBrk="0" hangingPunct="1">
-        <a:defRPr kumimoji="1" sz="1049" kern="1200">
+      <a:lvl1pPr marL="0" algn="l" defTabSz="729051" rtl="0" eaLnBrk="1" latinLnBrk="0" hangingPunct="1">
+        <a:defRPr kumimoji="1" sz="1435" kern="1200">
           <a:solidFill>
             <a:schemeClr val="tx1"/>
           </a:solidFill>
@@ -3168,8 +3170,8 @@
           <a:cs typeface="+mn-cs"/>
         </a:defRPr>
       </a:lvl1pPr>
-      <a:lvl2pPr marL="266365" algn="l" defTabSz="532729" rtl="0" eaLnBrk="1" latinLnBrk="0" hangingPunct="1">
-        <a:defRPr kumimoji="1" sz="1049" kern="1200">
+      <a:lvl2pPr marL="364526" algn="l" defTabSz="729051" rtl="0" eaLnBrk="1" latinLnBrk="0" hangingPunct="1">
+        <a:defRPr kumimoji="1" sz="1435" kern="1200">
           <a:solidFill>
             <a:schemeClr val="tx1"/>
           </a:solidFill>
@@ -3178,8 +3180,8 @@
           <a:cs typeface="+mn-cs"/>
         </a:defRPr>
       </a:lvl2pPr>
-      <a:lvl3pPr marL="532729" algn="l" defTabSz="532729" rtl="0" eaLnBrk="1" latinLnBrk="0" hangingPunct="1">
-        <a:defRPr kumimoji="1" sz="1049" kern="1200">
+      <a:lvl3pPr marL="729051" algn="l" defTabSz="729051" rtl="0" eaLnBrk="1" latinLnBrk="0" hangingPunct="1">
+        <a:defRPr kumimoji="1" sz="1435" kern="1200">
           <a:solidFill>
             <a:schemeClr val="tx1"/>
           </a:solidFill>
@@ -3188,8 +3190,8 @@
           <a:cs typeface="+mn-cs"/>
         </a:defRPr>
       </a:lvl3pPr>
-      <a:lvl4pPr marL="799094" algn="l" defTabSz="532729" rtl="0" eaLnBrk="1" latinLnBrk="0" hangingPunct="1">
-        <a:defRPr kumimoji="1" sz="1049" kern="1200">
+      <a:lvl4pPr marL="1093577" algn="l" defTabSz="729051" rtl="0" eaLnBrk="1" latinLnBrk="0" hangingPunct="1">
+        <a:defRPr kumimoji="1" sz="1435" kern="1200">
           <a:solidFill>
             <a:schemeClr val="tx1"/>
           </a:solidFill>
@@ -3198,8 +3200,8 @@
           <a:cs typeface="+mn-cs"/>
         </a:defRPr>
       </a:lvl4pPr>
-      <a:lvl5pPr marL="1065459" algn="l" defTabSz="532729" rtl="0" eaLnBrk="1" latinLnBrk="0" hangingPunct="1">
-        <a:defRPr kumimoji="1" sz="1049" kern="1200">
+      <a:lvl5pPr marL="1458102" algn="l" defTabSz="729051" rtl="0" eaLnBrk="1" latinLnBrk="0" hangingPunct="1">
+        <a:defRPr kumimoji="1" sz="1435" kern="1200">
           <a:solidFill>
             <a:schemeClr val="tx1"/>
           </a:solidFill>
@@ -3208,8 +3210,8 @@
           <a:cs typeface="+mn-cs"/>
         </a:defRPr>
       </a:lvl5pPr>
-      <a:lvl6pPr marL="1331824" algn="l" defTabSz="532729" rtl="0" eaLnBrk="1" latinLnBrk="0" hangingPunct="1">
-        <a:defRPr kumimoji="1" sz="1049" kern="1200">
+      <a:lvl6pPr marL="1822628" algn="l" defTabSz="729051" rtl="0" eaLnBrk="1" latinLnBrk="0" hangingPunct="1">
+        <a:defRPr kumimoji="1" sz="1435" kern="1200">
           <a:solidFill>
             <a:schemeClr val="tx1"/>
           </a:solidFill>
@@ -3218,8 +3220,8 @@
           <a:cs typeface="+mn-cs"/>
         </a:defRPr>
       </a:lvl6pPr>
-      <a:lvl7pPr marL="1598188" algn="l" defTabSz="532729" rtl="0" eaLnBrk="1" latinLnBrk="0" hangingPunct="1">
-        <a:defRPr kumimoji="1" sz="1049" kern="1200">
+      <a:lvl7pPr marL="2187153" algn="l" defTabSz="729051" rtl="0" eaLnBrk="1" latinLnBrk="0" hangingPunct="1">
+        <a:defRPr kumimoji="1" sz="1435" kern="1200">
           <a:solidFill>
             <a:schemeClr val="tx1"/>
           </a:solidFill>
@@ -3228,8 +3230,8 @@
           <a:cs typeface="+mn-cs"/>
         </a:defRPr>
       </a:lvl7pPr>
-      <a:lvl8pPr marL="1864553" algn="l" defTabSz="532729" rtl="0" eaLnBrk="1" latinLnBrk="0" hangingPunct="1">
-        <a:defRPr kumimoji="1" sz="1049" kern="1200">
+      <a:lvl8pPr marL="2551679" algn="l" defTabSz="729051" rtl="0" eaLnBrk="1" latinLnBrk="0" hangingPunct="1">
+        <a:defRPr kumimoji="1" sz="1435" kern="1200">
           <a:solidFill>
             <a:schemeClr val="tx1"/>
           </a:solidFill>
@@ -3238,8 +3240,8 @@
           <a:cs typeface="+mn-cs"/>
         </a:defRPr>
       </a:lvl8pPr>
-      <a:lvl9pPr marL="2130918" algn="l" defTabSz="532729" rtl="0" eaLnBrk="1" latinLnBrk="0" hangingPunct="1">
-        <a:defRPr kumimoji="1" sz="1049" kern="1200">
+      <a:lvl9pPr marL="2916204" algn="l" defTabSz="729051" rtl="0" eaLnBrk="1" latinLnBrk="0" hangingPunct="1">
+        <a:defRPr kumimoji="1" sz="1435" kern="1200">
           <a:solidFill>
             <a:schemeClr val="tx1"/>
           </a:solidFill>
@@ -3286,8 +3288,8 @@
         </p:blipFill>
         <p:spPr>
           <a:xfrm>
-            <a:off x="1922245" y="168840"/>
-            <a:ext cx="1407833" cy="5375360"/>
+            <a:off x="6133652" y="436239"/>
+            <a:ext cx="1267112" cy="4838061"/>
           </a:xfrm>
           <a:prstGeom prst="rect">
             <a:avLst/>
@@ -3302,8 +3304,8 @@
         </p:nvSpPr>
         <p:spPr>
           <a:xfrm>
-            <a:off x="3330078" y="1229778"/>
-            <a:ext cx="1938031" cy="523220"/>
+            <a:off x="7423984" y="1386710"/>
+            <a:ext cx="2182457" cy="584775"/>
           </a:xfrm>
           <a:prstGeom prst="rect">
             <a:avLst/>
@@ -3317,16 +3319,16 @@
           <a:lstStyle/>
           <a:p>
             <a:r>
-              <a:rPr lang="en-US" altLang="ja-JP" sz="1400" dirty="0"/>
+              <a:rPr lang="en-US" altLang="ja-JP" sz="1600" dirty="0"/>
               <a:t>Send probabilities of</a:t>
             </a:r>
           </a:p>
           <a:p>
             <a:r>
-              <a:rPr lang="en-US" altLang="ja-JP" sz="1400" dirty="0"/>
+              <a:rPr lang="en-US" altLang="ja-JP" sz="1600" dirty="0"/>
               <a:t>   considering transition.</a:t>
             </a:r>
-            <a:endParaRPr lang="ja-JP" altLang="en-US" sz="1400" dirty="0"/>
+            <a:endParaRPr lang="ja-JP" altLang="en-US" sz="1600" dirty="0"/>
           </a:p>
         </p:txBody>
       </p:sp>
@@ -3338,10 +3340,10 @@
         </p:nvGrpSpPr>
         <p:grpSpPr>
           <a:xfrm>
-            <a:off x="3333343" y="3355916"/>
-            <a:ext cx="1934759" cy="523220"/>
+            <a:off x="7540564" y="3227675"/>
+            <a:ext cx="2179699" cy="584775"/>
             <a:chOff x="3333343" y="3355916"/>
-            <a:chExt cx="1934759" cy="523220"/>
+            <a:chExt cx="2421768" cy="649718"/>
           </a:xfrm>
         </p:grpSpPr>
         <p:sp>
@@ -3353,7 +3355,7 @@
           <p:spPr>
             <a:xfrm>
               <a:off x="3333343" y="3355916"/>
-              <a:ext cx="1934759" cy="523220"/>
+              <a:ext cx="2421768" cy="649718"/>
             </a:xfrm>
             <a:prstGeom prst="rect">
               <a:avLst/>
@@ -3367,16 +3369,24 @@
             <a:lstStyle/>
             <a:p>
               <a:r>
-                <a:rPr lang="en-US" altLang="ja-JP" sz="1400" dirty="0"/>
-                <a:t>Send mean     of</a:t>
+                <a:rPr lang="en-US" altLang="ja-JP" sz="1600" dirty="0"/>
+                <a:t>Send </a:t>
+              </a:r>
+              <a:r>
+                <a:rPr lang="en-US" altLang="ja-JP" sz="1600" dirty="0" smtClean="0"/>
+                <a:t>means     </a:t>
+              </a:r>
+              <a:r>
+                <a:rPr lang="en-US" altLang="ja-JP" sz="1600" dirty="0"/>
+                <a:t>of</a:t>
               </a:r>
             </a:p>
             <a:p>
               <a:r>
-                <a:rPr lang="en-US" altLang="ja-JP" sz="1400" dirty="0"/>
+                <a:rPr lang="en-US" altLang="ja-JP" sz="1600" dirty="0"/>
                 <a:t>   distribution of classes.</a:t>
               </a:r>
-              <a:endParaRPr lang="ja-JP" altLang="en-US" sz="1400" dirty="0"/>
+              <a:endParaRPr lang="ja-JP" altLang="en-US" sz="1600" dirty="0"/>
             </a:p>
           </p:txBody>
         </p:sp>
@@ -3403,8 +3413,8 @@
           </p:blipFill>
           <p:spPr bwMode="auto">
             <a:xfrm>
-              <a:off x="4277915" y="3463106"/>
-              <a:ext cx="120730" cy="126218"/>
+              <a:off x="4593943" y="3489614"/>
+              <a:ext cx="164474" cy="171950"/>
             </a:xfrm>
             <a:prstGeom prst="rect">
               <a:avLst/>
@@ -3430,10 +3440,10 @@
         </p:nvGrpSpPr>
         <p:grpSpPr>
           <a:xfrm>
-            <a:off x="54864" y="3450442"/>
-            <a:ext cx="1992981" cy="307777"/>
-            <a:chOff x="54864" y="3450442"/>
-            <a:chExt cx="1992981" cy="307777"/>
+            <a:off x="4031900" y="3380939"/>
+            <a:ext cx="2246705" cy="338554"/>
+            <a:chOff x="-384824" y="3398028"/>
+            <a:chExt cx="2496218" cy="376152"/>
           </a:xfrm>
         </p:grpSpPr>
         <p:sp>
@@ -3444,8 +3454,8 @@
           </p:nvSpPr>
           <p:spPr>
             <a:xfrm>
-              <a:off x="54864" y="3450442"/>
-              <a:ext cx="1992981" cy="307777"/>
+              <a:off x="-384824" y="3398028"/>
+              <a:ext cx="2496218" cy="376152"/>
             </a:xfrm>
             <a:prstGeom prst="rect">
               <a:avLst/>
@@ -3459,18 +3469,22 @@
             <a:lstStyle/>
             <a:p>
               <a:r>
-                <a:rPr lang="en-US" altLang="ja-JP" sz="1400" dirty="0"/>
+                <a:rPr lang="en-US" altLang="ja-JP" sz="1600" dirty="0"/>
                 <a:t>Send</a:t>
               </a:r>
               <a:r>
-                <a:rPr lang="ja-JP" altLang="en-US" sz="1400" dirty="0"/>
+                <a:rPr lang="ja-JP" altLang="en-US" sz="1600" dirty="0"/>
                 <a:t> </a:t>
               </a:r>
               <a:r>
-                <a:rPr lang="en-US" altLang="ja-JP" sz="1400" dirty="0"/>
-                <a:t>latent variables      .</a:t>
+                <a:rPr lang="en-US" altLang="ja-JP" sz="1600" dirty="0"/>
+                <a:t>latent variables     </a:t>
               </a:r>
-              <a:endParaRPr lang="ja-JP" altLang="en-US" sz="1400" dirty="0"/>
+              <a:r>
+                <a:rPr lang="en-US" altLang="ja-JP" sz="1600" dirty="0" smtClean="0"/>
+                <a:t>.</a:t>
+              </a:r>
+              <a:endParaRPr lang="ja-JP" altLang="en-US" sz="1600" dirty="0"/>
             </a:p>
           </p:txBody>
         </p:sp>
@@ -3497,8 +3511,8 @@
           </p:blipFill>
           <p:spPr bwMode="auto">
             <a:xfrm>
-              <a:off x="1695736" y="3539352"/>
-              <a:ext cx="184499" cy="133951"/>
+              <a:off x="1678631" y="3529376"/>
+              <a:ext cx="202144" cy="146761"/>
             </a:xfrm>
             <a:prstGeom prst="rect">
               <a:avLst/>
@@ -3516,91 +3530,122 @@
           </p:spPr>
         </p:pic>
       </p:grpSp>
-      <p:sp>
-        <p:nvSpPr>
-          <p:cNvPr id="52" name="テキスト ボックス 51"/>
-          <p:cNvSpPr txBox="1"/>
+      <p:grpSp>
+        <p:nvGrpSpPr>
+          <p:cNvPr id="5" name="グループ化 4"/>
+          <p:cNvGrpSpPr/>
           <p:nvPr/>
-        </p:nvSpPr>
+        </p:nvGrpSpPr>
+        <p:grpSpPr>
+          <a:xfrm>
+            <a:off x="4904002" y="1497515"/>
+            <a:ext cx="1335622" cy="338554"/>
+            <a:chOff x="4504853" y="1497515"/>
+            <a:chExt cx="1335622" cy="338554"/>
+          </a:xfrm>
+        </p:grpSpPr>
+        <p:sp>
+          <p:nvSpPr>
+            <p:cNvPr id="52" name="テキスト ボックス 51"/>
+            <p:cNvSpPr txBox="1"/>
+            <p:nvPr/>
+          </p:nvSpPr>
+          <p:spPr>
+            <a:xfrm>
+              <a:off x="4504853" y="1497515"/>
+              <a:ext cx="1335622" cy="338554"/>
+            </a:xfrm>
+            <a:prstGeom prst="rect">
+              <a:avLst/>
+            </a:prstGeom>
+            <a:noFill/>
+          </p:spPr>
+          <p:txBody>
+            <a:bodyPr wrap="none" rtlCol="0">
+              <a:spAutoFit/>
+            </a:bodyPr>
+            <a:lstStyle/>
+            <a:p>
+              <a:r>
+                <a:rPr kumimoji="1" lang="en-US" altLang="ja-JP" sz="1600" dirty="0"/>
+                <a:t>Send</a:t>
+              </a:r>
+              <a:r>
+                <a:rPr kumimoji="1" lang="ja-JP" altLang="en-US" sz="1600" dirty="0"/>
+                <a:t>　　　</a:t>
+              </a:r>
+              <a:r>
+                <a:rPr kumimoji="1" lang="en-US" altLang="ja-JP" sz="1600" dirty="0"/>
+                <a:t>      .</a:t>
+              </a:r>
+              <a:endParaRPr kumimoji="1" lang="ja-JP" altLang="en-US" sz="1600" dirty="0"/>
+            </a:p>
+          </p:txBody>
+        </p:sp>
+        <p:pic>
+          <p:nvPicPr>
+            <p:cNvPr id="14" name="Picture 10" descr="https://latex.codecogs.com/gif.latex?%5Cinline%20%5Cdpi%7B300%7D%20%5Chuge%20P%28z_%7B2%7D%7C%5Cboldsymbol%7Bz%7D_1%29"/>
+            <p:cNvPicPr>
+              <a:picLocks noChangeAspect="1" noChangeArrowheads="1"/>
+            </p:cNvPicPr>
+            <p:nvPr/>
+          </p:nvPicPr>
+          <p:blipFill>
+            <a:blip r:embed="rId5" cstate="print">
+              <a:extLst>
+                <a:ext uri="{28A0092B-C50C-407E-A947-70E740481C1C}">
+                  <a14:useLocalDpi xmlns:a14="http://schemas.microsoft.com/office/drawing/2010/main" val="0"/>
+                </a:ext>
+              </a:extLst>
+            </a:blip>
+            <a:srcRect/>
+            <a:stretch>
+              <a:fillRect/>
+            </a:stretch>
+          </p:blipFill>
+          <p:spPr bwMode="auto">
+            <a:xfrm>
+              <a:off x="5047586" y="1584960"/>
+              <a:ext cx="624302" cy="183870"/>
+            </a:xfrm>
+            <a:prstGeom prst="rect">
+              <a:avLst/>
+            </a:prstGeom>
+            <a:noFill/>
+            <a:extLst>
+              <a:ext uri="{909E8E84-426E-40DD-AFC4-6F175D3DCCD1}">
+                <a14:hiddenFill xmlns:a14="http://schemas.microsoft.com/office/drawing/2010/main">
+                  <a:solidFill>
+                    <a:srgbClr val="FFFFFF"/>
+                  </a:solidFill>
+                </a14:hiddenFill>
+              </a:ext>
+            </a:extLst>
+          </p:spPr>
+        </p:pic>
+      </p:grpSp>
+      <p:pic>
+        <p:nvPicPr>
+          <p:cNvPr id="7" name="図 6"/>
+          <p:cNvPicPr>
+            <a:picLocks noChangeAspect="1"/>
+          </p:cNvPicPr>
+          <p:nvPr/>
+        </p:nvPicPr>
+        <p:blipFill>
+          <a:blip r:embed="rId6"/>
+          <a:stretch>
+            <a:fillRect/>
+          </a:stretch>
+        </p:blipFill>
         <p:spPr>
           <a:xfrm>
-            <a:off x="556037" y="1347976"/>
-            <a:ext cx="1226618" cy="307777"/>
+            <a:off x="128003" y="811254"/>
+            <a:ext cx="3922265" cy="3804175"/>
           </a:xfrm>
           <a:prstGeom prst="rect">
             <a:avLst/>
           </a:prstGeom>
-          <a:noFill/>
-        </p:spPr>
-        <p:txBody>
-          <a:bodyPr wrap="none" rtlCol="0">
-            <a:spAutoFit/>
-          </a:bodyPr>
-          <a:lstStyle/>
-          <a:p>
-            <a:r>
-              <a:rPr kumimoji="1" lang="en-US" altLang="ja-JP" sz="1400" dirty="0" smtClean="0"/>
-              <a:t>Send</a:t>
-            </a:r>
-            <a:r>
-              <a:rPr kumimoji="1" lang="ja-JP" altLang="en-US" sz="1400" dirty="0" smtClean="0"/>
-              <a:t>　　　</a:t>
-            </a:r>
-            <a:r>
-              <a:rPr kumimoji="1" lang="en-US" altLang="ja-JP" sz="1400" dirty="0" smtClean="0"/>
-              <a:t>     </a:t>
-            </a:r>
-            <a:r>
-              <a:rPr kumimoji="1" lang="en-US" altLang="ja-JP" sz="1400" dirty="0" smtClean="0"/>
-              <a:t>  </a:t>
-            </a:r>
-            <a:r>
-              <a:rPr kumimoji="1" lang="en-US" altLang="ja-JP" sz="1400" dirty="0" smtClean="0"/>
-              <a:t>.</a:t>
-            </a:r>
-            <a:endParaRPr kumimoji="1" lang="ja-JP" altLang="en-US" sz="1400" dirty="0"/>
-          </a:p>
-        </p:txBody>
-      </p:sp>
-      <p:pic>
-        <p:nvPicPr>
-          <p:cNvPr id="14" name="Picture 10" descr="https://latex.codecogs.com/gif.latex?%5Cinline%20%5Cdpi%7B300%7D%20%5Chuge%20P%28z_%7B2%7D%7C%5Cboldsymbol%7Bz%7D_1%29"/>
-          <p:cNvPicPr>
-            <a:picLocks noChangeAspect="1" noChangeArrowheads="1"/>
-          </p:cNvPicPr>
-          <p:nvPr/>
-        </p:nvPicPr>
-        <p:blipFill>
-          <a:blip r:embed="rId5" cstate="print">
-            <a:extLst>
-              <a:ext uri="{28A0092B-C50C-407E-A947-70E740481C1C}">
-                <a14:useLocalDpi xmlns:a14="http://schemas.microsoft.com/office/drawing/2010/main" val="0"/>
-              </a:ext>
-            </a:extLst>
-          </a:blip>
-          <a:srcRect/>
-          <a:stretch>
-            <a:fillRect/>
-          </a:stretch>
-        </p:blipFill>
-        <p:spPr bwMode="auto">
-          <a:xfrm>
-            <a:off x="1042058" y="1434397"/>
-            <a:ext cx="590664" cy="173963"/>
-          </a:xfrm>
-          <a:prstGeom prst="rect">
-            <a:avLst/>
-          </a:prstGeom>
-          <a:noFill/>
-          <a:extLst>
-            <a:ext uri="{909E8E84-426E-40DD-AFC4-6F175D3DCCD1}">
-              <a14:hiddenFill xmlns:a14="http://schemas.microsoft.com/office/drawing/2010/main">
-                <a:solidFill>
-                  <a:srgbClr val="FFFFFF"/>
-                </a:solidFill>
-              </a14:hiddenFill>
-            </a:ext>
-          </a:extLst>
         </p:spPr>
       </p:pic>
     </p:spTree>
